--- a/Apresentação/Apresentação Polly.pptx
+++ b/Apresentação/Apresentação Polly.pptx
@@ -6,6 +6,13 @@
   </p:sldMasterIdLst>
   <p:sldIdLst>
     <p:sldId id="256" r:id="rId2"/>
+    <p:sldId id="257" r:id="rId3"/>
+    <p:sldId id="258" r:id="rId4"/>
+    <p:sldId id="259" r:id="rId5"/>
+    <p:sldId id="260" r:id="rId6"/>
+    <p:sldId id="261" r:id="rId7"/>
+    <p:sldId id="262" r:id="rId8"/>
+    <p:sldId id="263" r:id="rId9"/>
   </p:sldIdLst>
   <p:sldSz cx="12192000" cy="6858000"/>
   <p:notesSz cx="6858000" cy="9144000"/>
@@ -236,9 +243,9 @@
           <a:bodyPr/>
           <a:lstStyle/>
           <a:p>
-            <a:fld id="{A71BF670-3950-4BE2-A49B-A1C07DABF6DD}" type="datetimeFigureOut">
-              <a:rPr lang="pt-BR" smtClean="0"/>
-              <a:t>23/06/2020</a:t>
+            <a:fld id="{33B6EF0E-446C-47D2-9610-3B6AA5B41687}" type="datetimeFigureOut">
+              <a:rPr lang="pt-BR" smtClean="0"/>
+              <a:t>09/07/2020</a:t>
             </a:fld>
             <a:endParaRPr lang="pt-BR"/>
           </a:p>
@@ -278,7 +285,7 @@
           <a:bodyPr/>
           <a:lstStyle/>
           <a:p>
-            <a:fld id="{65B6D8C3-5139-4096-A7C9-AD8E00656A3C}" type="slidenum">
+            <a:fld id="{9DECD365-67FB-4E54-B172-9EA4B4968EE9}" type="slidenum">
               <a:rPr lang="pt-BR" smtClean="0"/>
               <a:t>‹nº›</a:t>
             </a:fld>
@@ -289,7 +296,7 @@
     </p:spTree>
     <p:extLst>
       <p:ext uri="{BB962C8B-B14F-4D97-AF65-F5344CB8AC3E}">
-        <p14:creationId xmlns:p14="http://schemas.microsoft.com/office/powerpoint/2010/main" val="589491284"/>
+        <p14:creationId xmlns:p14="http://schemas.microsoft.com/office/powerpoint/2010/main" val="1308442886"/>
       </p:ext>
     </p:extLst>
   </p:cSld>
@@ -406,9 +413,9 @@
           <a:bodyPr/>
           <a:lstStyle/>
           <a:p>
-            <a:fld id="{A71BF670-3950-4BE2-A49B-A1C07DABF6DD}" type="datetimeFigureOut">
-              <a:rPr lang="pt-BR" smtClean="0"/>
-              <a:t>23/06/2020</a:t>
+            <a:fld id="{33B6EF0E-446C-47D2-9610-3B6AA5B41687}" type="datetimeFigureOut">
+              <a:rPr lang="pt-BR" smtClean="0"/>
+              <a:t>09/07/2020</a:t>
             </a:fld>
             <a:endParaRPr lang="pt-BR"/>
           </a:p>
@@ -448,7 +455,7 @@
           <a:bodyPr/>
           <a:lstStyle/>
           <a:p>
-            <a:fld id="{65B6D8C3-5139-4096-A7C9-AD8E00656A3C}" type="slidenum">
+            <a:fld id="{9DECD365-67FB-4E54-B172-9EA4B4968EE9}" type="slidenum">
               <a:rPr lang="pt-BR" smtClean="0"/>
               <a:t>‹nº›</a:t>
             </a:fld>
@@ -459,7 +466,7 @@
     </p:spTree>
     <p:extLst>
       <p:ext uri="{BB962C8B-B14F-4D97-AF65-F5344CB8AC3E}">
-        <p14:creationId xmlns:p14="http://schemas.microsoft.com/office/powerpoint/2010/main" val="321079757"/>
+        <p14:creationId xmlns:p14="http://schemas.microsoft.com/office/powerpoint/2010/main" val="1221355595"/>
       </p:ext>
     </p:extLst>
   </p:cSld>
@@ -586,9 +593,9 @@
           <a:bodyPr/>
           <a:lstStyle/>
           <a:p>
-            <a:fld id="{A71BF670-3950-4BE2-A49B-A1C07DABF6DD}" type="datetimeFigureOut">
-              <a:rPr lang="pt-BR" smtClean="0"/>
-              <a:t>23/06/2020</a:t>
+            <a:fld id="{33B6EF0E-446C-47D2-9610-3B6AA5B41687}" type="datetimeFigureOut">
+              <a:rPr lang="pt-BR" smtClean="0"/>
+              <a:t>09/07/2020</a:t>
             </a:fld>
             <a:endParaRPr lang="pt-BR"/>
           </a:p>
@@ -628,7 +635,7 @@
           <a:bodyPr/>
           <a:lstStyle/>
           <a:p>
-            <a:fld id="{65B6D8C3-5139-4096-A7C9-AD8E00656A3C}" type="slidenum">
+            <a:fld id="{9DECD365-67FB-4E54-B172-9EA4B4968EE9}" type="slidenum">
               <a:rPr lang="pt-BR" smtClean="0"/>
               <a:t>‹nº›</a:t>
             </a:fld>
@@ -639,7 +646,7 @@
     </p:spTree>
     <p:extLst>
       <p:ext uri="{BB962C8B-B14F-4D97-AF65-F5344CB8AC3E}">
-        <p14:creationId xmlns:p14="http://schemas.microsoft.com/office/powerpoint/2010/main" val="1543538277"/>
+        <p14:creationId xmlns:p14="http://schemas.microsoft.com/office/powerpoint/2010/main" val="3372741558"/>
       </p:ext>
     </p:extLst>
   </p:cSld>
@@ -756,9 +763,9 @@
           <a:bodyPr/>
           <a:lstStyle/>
           <a:p>
-            <a:fld id="{A71BF670-3950-4BE2-A49B-A1C07DABF6DD}" type="datetimeFigureOut">
-              <a:rPr lang="pt-BR" smtClean="0"/>
-              <a:t>23/06/2020</a:t>
+            <a:fld id="{33B6EF0E-446C-47D2-9610-3B6AA5B41687}" type="datetimeFigureOut">
+              <a:rPr lang="pt-BR" smtClean="0"/>
+              <a:t>09/07/2020</a:t>
             </a:fld>
             <a:endParaRPr lang="pt-BR"/>
           </a:p>
@@ -798,7 +805,7 @@
           <a:bodyPr/>
           <a:lstStyle/>
           <a:p>
-            <a:fld id="{65B6D8C3-5139-4096-A7C9-AD8E00656A3C}" type="slidenum">
+            <a:fld id="{9DECD365-67FB-4E54-B172-9EA4B4968EE9}" type="slidenum">
               <a:rPr lang="pt-BR" smtClean="0"/>
               <a:t>‹nº›</a:t>
             </a:fld>
@@ -809,7 +816,7 @@
     </p:spTree>
     <p:extLst>
       <p:ext uri="{BB962C8B-B14F-4D97-AF65-F5344CB8AC3E}">
-        <p14:creationId xmlns:p14="http://schemas.microsoft.com/office/powerpoint/2010/main" val="746716927"/>
+        <p14:creationId xmlns:p14="http://schemas.microsoft.com/office/powerpoint/2010/main" val="4208939839"/>
       </p:ext>
     </p:extLst>
   </p:cSld>
@@ -1002,9 +1009,9 @@
           <a:bodyPr/>
           <a:lstStyle/>
           <a:p>
-            <a:fld id="{A71BF670-3950-4BE2-A49B-A1C07DABF6DD}" type="datetimeFigureOut">
-              <a:rPr lang="pt-BR" smtClean="0"/>
-              <a:t>23/06/2020</a:t>
+            <a:fld id="{33B6EF0E-446C-47D2-9610-3B6AA5B41687}" type="datetimeFigureOut">
+              <a:rPr lang="pt-BR" smtClean="0"/>
+              <a:t>09/07/2020</a:t>
             </a:fld>
             <a:endParaRPr lang="pt-BR"/>
           </a:p>
@@ -1044,7 +1051,7 @@
           <a:bodyPr/>
           <a:lstStyle/>
           <a:p>
-            <a:fld id="{65B6D8C3-5139-4096-A7C9-AD8E00656A3C}" type="slidenum">
+            <a:fld id="{9DECD365-67FB-4E54-B172-9EA4B4968EE9}" type="slidenum">
               <a:rPr lang="pt-BR" smtClean="0"/>
               <a:t>‹nº›</a:t>
             </a:fld>
@@ -1055,7 +1062,7 @@
     </p:spTree>
     <p:extLst>
       <p:ext uri="{BB962C8B-B14F-4D97-AF65-F5344CB8AC3E}">
-        <p14:creationId xmlns:p14="http://schemas.microsoft.com/office/powerpoint/2010/main" val="1850472218"/>
+        <p14:creationId xmlns:p14="http://schemas.microsoft.com/office/powerpoint/2010/main" val="2802211344"/>
       </p:ext>
     </p:extLst>
   </p:cSld>
@@ -1234,9 +1241,9 @@
           <a:bodyPr/>
           <a:lstStyle/>
           <a:p>
-            <a:fld id="{A71BF670-3950-4BE2-A49B-A1C07DABF6DD}" type="datetimeFigureOut">
-              <a:rPr lang="pt-BR" smtClean="0"/>
-              <a:t>23/06/2020</a:t>
+            <a:fld id="{33B6EF0E-446C-47D2-9610-3B6AA5B41687}" type="datetimeFigureOut">
+              <a:rPr lang="pt-BR" smtClean="0"/>
+              <a:t>09/07/2020</a:t>
             </a:fld>
             <a:endParaRPr lang="pt-BR"/>
           </a:p>
@@ -1276,7 +1283,7 @@
           <a:bodyPr/>
           <a:lstStyle/>
           <a:p>
-            <a:fld id="{65B6D8C3-5139-4096-A7C9-AD8E00656A3C}" type="slidenum">
+            <a:fld id="{9DECD365-67FB-4E54-B172-9EA4B4968EE9}" type="slidenum">
               <a:rPr lang="pt-BR" smtClean="0"/>
               <a:t>‹nº›</a:t>
             </a:fld>
@@ -1287,7 +1294,7 @@
     </p:spTree>
     <p:extLst>
       <p:ext uri="{BB962C8B-B14F-4D97-AF65-F5344CB8AC3E}">
-        <p14:creationId xmlns:p14="http://schemas.microsoft.com/office/powerpoint/2010/main" val="2552110392"/>
+        <p14:creationId xmlns:p14="http://schemas.microsoft.com/office/powerpoint/2010/main" val="3112423636"/>
       </p:ext>
     </p:extLst>
   </p:cSld>
@@ -1601,9 +1608,9 @@
           <a:bodyPr/>
           <a:lstStyle/>
           <a:p>
-            <a:fld id="{A71BF670-3950-4BE2-A49B-A1C07DABF6DD}" type="datetimeFigureOut">
-              <a:rPr lang="pt-BR" smtClean="0"/>
-              <a:t>23/06/2020</a:t>
+            <a:fld id="{33B6EF0E-446C-47D2-9610-3B6AA5B41687}" type="datetimeFigureOut">
+              <a:rPr lang="pt-BR" smtClean="0"/>
+              <a:t>09/07/2020</a:t>
             </a:fld>
             <a:endParaRPr lang="pt-BR"/>
           </a:p>
@@ -1643,7 +1650,7 @@
           <a:bodyPr/>
           <a:lstStyle/>
           <a:p>
-            <a:fld id="{65B6D8C3-5139-4096-A7C9-AD8E00656A3C}" type="slidenum">
+            <a:fld id="{9DECD365-67FB-4E54-B172-9EA4B4968EE9}" type="slidenum">
               <a:rPr lang="pt-BR" smtClean="0"/>
               <a:t>‹nº›</a:t>
             </a:fld>
@@ -1654,7 +1661,7 @@
     </p:spTree>
     <p:extLst>
       <p:ext uri="{BB962C8B-B14F-4D97-AF65-F5344CB8AC3E}">
-        <p14:creationId xmlns:p14="http://schemas.microsoft.com/office/powerpoint/2010/main" val="158981206"/>
+        <p14:creationId xmlns:p14="http://schemas.microsoft.com/office/powerpoint/2010/main" val="391813066"/>
       </p:ext>
     </p:extLst>
   </p:cSld>
@@ -1719,9 +1726,9 @@
           <a:bodyPr/>
           <a:lstStyle/>
           <a:p>
-            <a:fld id="{A71BF670-3950-4BE2-A49B-A1C07DABF6DD}" type="datetimeFigureOut">
-              <a:rPr lang="pt-BR" smtClean="0"/>
-              <a:t>23/06/2020</a:t>
+            <a:fld id="{33B6EF0E-446C-47D2-9610-3B6AA5B41687}" type="datetimeFigureOut">
+              <a:rPr lang="pt-BR" smtClean="0"/>
+              <a:t>09/07/2020</a:t>
             </a:fld>
             <a:endParaRPr lang="pt-BR"/>
           </a:p>
@@ -1761,7 +1768,7 @@
           <a:bodyPr/>
           <a:lstStyle/>
           <a:p>
-            <a:fld id="{65B6D8C3-5139-4096-A7C9-AD8E00656A3C}" type="slidenum">
+            <a:fld id="{9DECD365-67FB-4E54-B172-9EA4B4968EE9}" type="slidenum">
               <a:rPr lang="pt-BR" smtClean="0"/>
               <a:t>‹nº›</a:t>
             </a:fld>
@@ -1772,7 +1779,7 @@
     </p:spTree>
     <p:extLst>
       <p:ext uri="{BB962C8B-B14F-4D97-AF65-F5344CB8AC3E}">
-        <p14:creationId xmlns:p14="http://schemas.microsoft.com/office/powerpoint/2010/main" val="1051303832"/>
+        <p14:creationId xmlns:p14="http://schemas.microsoft.com/office/powerpoint/2010/main" val="1685648462"/>
       </p:ext>
     </p:extLst>
   </p:cSld>
@@ -1814,9 +1821,9 @@
           <a:bodyPr/>
           <a:lstStyle/>
           <a:p>
-            <a:fld id="{A71BF670-3950-4BE2-A49B-A1C07DABF6DD}" type="datetimeFigureOut">
-              <a:rPr lang="pt-BR" smtClean="0"/>
-              <a:t>23/06/2020</a:t>
+            <a:fld id="{33B6EF0E-446C-47D2-9610-3B6AA5B41687}" type="datetimeFigureOut">
+              <a:rPr lang="pt-BR" smtClean="0"/>
+              <a:t>09/07/2020</a:t>
             </a:fld>
             <a:endParaRPr lang="pt-BR"/>
           </a:p>
@@ -1856,7 +1863,7 @@
           <a:bodyPr/>
           <a:lstStyle/>
           <a:p>
-            <a:fld id="{65B6D8C3-5139-4096-A7C9-AD8E00656A3C}" type="slidenum">
+            <a:fld id="{9DECD365-67FB-4E54-B172-9EA4B4968EE9}" type="slidenum">
               <a:rPr lang="pt-BR" smtClean="0"/>
               <a:t>‹nº›</a:t>
             </a:fld>
@@ -1867,7 +1874,7 @@
     </p:spTree>
     <p:extLst>
       <p:ext uri="{BB962C8B-B14F-4D97-AF65-F5344CB8AC3E}">
-        <p14:creationId xmlns:p14="http://schemas.microsoft.com/office/powerpoint/2010/main" val="4190965670"/>
+        <p14:creationId xmlns:p14="http://schemas.microsoft.com/office/powerpoint/2010/main" val="21818958"/>
       </p:ext>
     </p:extLst>
   </p:cSld>
@@ -2091,9 +2098,9 @@
           <a:bodyPr/>
           <a:lstStyle/>
           <a:p>
-            <a:fld id="{A71BF670-3950-4BE2-A49B-A1C07DABF6DD}" type="datetimeFigureOut">
-              <a:rPr lang="pt-BR" smtClean="0"/>
-              <a:t>23/06/2020</a:t>
+            <a:fld id="{33B6EF0E-446C-47D2-9610-3B6AA5B41687}" type="datetimeFigureOut">
+              <a:rPr lang="pt-BR" smtClean="0"/>
+              <a:t>09/07/2020</a:t>
             </a:fld>
             <a:endParaRPr lang="pt-BR"/>
           </a:p>
@@ -2133,7 +2140,7 @@
           <a:bodyPr/>
           <a:lstStyle/>
           <a:p>
-            <a:fld id="{65B6D8C3-5139-4096-A7C9-AD8E00656A3C}" type="slidenum">
+            <a:fld id="{9DECD365-67FB-4E54-B172-9EA4B4968EE9}" type="slidenum">
               <a:rPr lang="pt-BR" smtClean="0"/>
               <a:t>‹nº›</a:t>
             </a:fld>
@@ -2144,7 +2151,7 @@
     </p:spTree>
     <p:extLst>
       <p:ext uri="{BB962C8B-B14F-4D97-AF65-F5344CB8AC3E}">
-        <p14:creationId xmlns:p14="http://schemas.microsoft.com/office/powerpoint/2010/main" val="2343939051"/>
+        <p14:creationId xmlns:p14="http://schemas.microsoft.com/office/powerpoint/2010/main" val="3379798616"/>
       </p:ext>
     </p:extLst>
   </p:cSld>
@@ -2344,9 +2351,9 @@
           <a:bodyPr/>
           <a:lstStyle/>
           <a:p>
-            <a:fld id="{A71BF670-3950-4BE2-A49B-A1C07DABF6DD}" type="datetimeFigureOut">
-              <a:rPr lang="pt-BR" smtClean="0"/>
-              <a:t>23/06/2020</a:t>
+            <a:fld id="{33B6EF0E-446C-47D2-9610-3B6AA5B41687}" type="datetimeFigureOut">
+              <a:rPr lang="pt-BR" smtClean="0"/>
+              <a:t>09/07/2020</a:t>
             </a:fld>
             <a:endParaRPr lang="pt-BR"/>
           </a:p>
@@ -2386,7 +2393,7 @@
           <a:bodyPr/>
           <a:lstStyle/>
           <a:p>
-            <a:fld id="{65B6D8C3-5139-4096-A7C9-AD8E00656A3C}" type="slidenum">
+            <a:fld id="{9DECD365-67FB-4E54-B172-9EA4B4968EE9}" type="slidenum">
               <a:rPr lang="pt-BR" smtClean="0"/>
               <a:t>‹nº›</a:t>
             </a:fld>
@@ -2397,7 +2404,7 @@
     </p:spTree>
     <p:extLst>
       <p:ext uri="{BB962C8B-B14F-4D97-AF65-F5344CB8AC3E}">
-        <p14:creationId xmlns:p14="http://schemas.microsoft.com/office/powerpoint/2010/main" val="1908494261"/>
+        <p14:creationId xmlns:p14="http://schemas.microsoft.com/office/powerpoint/2010/main" val="764180082"/>
       </p:ext>
     </p:extLst>
   </p:cSld>
@@ -2557,9 +2564,9 @@
             </a:lvl1pPr>
           </a:lstStyle>
           <a:p>
-            <a:fld id="{A71BF670-3950-4BE2-A49B-A1C07DABF6DD}" type="datetimeFigureOut">
-              <a:rPr lang="pt-BR" smtClean="0"/>
-              <a:t>23/06/2020</a:t>
+            <a:fld id="{33B6EF0E-446C-47D2-9610-3B6AA5B41687}" type="datetimeFigureOut">
+              <a:rPr lang="pt-BR" smtClean="0"/>
+              <a:t>09/07/2020</a:t>
             </a:fld>
             <a:endParaRPr lang="pt-BR"/>
           </a:p>
@@ -2635,7 +2642,7 @@
             </a:lvl1pPr>
           </a:lstStyle>
           <a:p>
-            <a:fld id="{65B6D8C3-5139-4096-A7C9-AD8E00656A3C}" type="slidenum">
+            <a:fld id="{9DECD365-67FB-4E54-B172-9EA4B4968EE9}" type="slidenum">
               <a:rPr lang="pt-BR" smtClean="0"/>
               <a:t>‹nº›</a:t>
             </a:fld>
@@ -2646,7 +2653,7 @@
     </p:spTree>
     <p:extLst>
       <p:ext uri="{BB962C8B-B14F-4D97-AF65-F5344CB8AC3E}">
-        <p14:creationId xmlns:p14="http://schemas.microsoft.com/office/powerpoint/2010/main" val="1063874986"/>
+        <p14:creationId xmlns:p14="http://schemas.microsoft.com/office/powerpoint/2010/main" val="1573291585"/>
       </p:ext>
     </p:extLst>
   </p:cSld>
@@ -2974,38 +2981,1088 @@
             <p:ph type="ctrTitle"/>
           </p:nvPr>
         </p:nvSpPr>
-        <p:spPr/>
-        <p:txBody>
-          <a:bodyPr/>
-          <a:lstStyle/>
-          <a:p>
-            <a:endParaRPr lang="pt-BR"/>
-          </a:p>
-        </p:txBody>
-      </p:sp>
-      <p:sp>
-        <p:nvSpPr>
-          <p:cNvPr id="3" name="Subtítulo 2"/>
-          <p:cNvSpPr>
-            <a:spLocks noGrp="1"/>
-          </p:cNvSpPr>
-          <p:nvPr>
-            <p:ph type="subTitle" idx="1"/>
-          </p:nvPr>
-        </p:nvSpPr>
-        <p:spPr/>
-        <p:txBody>
-          <a:bodyPr/>
-          <a:lstStyle/>
-          <a:p>
-            <a:endParaRPr lang="pt-BR"/>
-          </a:p>
-        </p:txBody>
-      </p:sp>
+        <p:spPr>
+          <a:xfrm>
+            <a:off x="243839" y="623454"/>
+            <a:ext cx="9144000" cy="2005359"/>
+          </a:xfrm>
+        </p:spPr>
+        <p:txBody>
+          <a:bodyPr/>
+          <a:lstStyle/>
+          <a:p>
+            <a:r>
+              <a:rPr lang="pt-BR" dirty="0" smtClean="0"/>
+              <a:t>Tornando sua aplicação </a:t>
+            </a:r>
+            <a:r>
+              <a:rPr lang="pt-BR" dirty="0" err="1" smtClean="0"/>
+              <a:t>resiliente</a:t>
+            </a:r>
+            <a:r>
+              <a:rPr lang="pt-BR" dirty="0" smtClean="0"/>
+              <a:t> com </a:t>
+            </a:r>
+            <a:r>
+              <a:rPr lang="pt-BR" dirty="0" err="1" smtClean="0"/>
+              <a:t>Polly</a:t>
+            </a:r>
+            <a:endParaRPr lang="pt-BR" dirty="0"/>
+          </a:p>
+        </p:txBody>
+      </p:sp>
+      <p:pic>
+        <p:nvPicPr>
+          <p:cNvPr id="4" name="Imagem 3"/>
+          <p:cNvPicPr>
+            <a:picLocks noChangeAspect="1"/>
+          </p:cNvPicPr>
+          <p:nvPr/>
+        </p:nvPicPr>
+        <p:blipFill>
+          <a:blip r:embed="rId2">
+            <a:extLst>
+              <a:ext uri="{28A0092B-C50C-407E-A947-70E740481C1C}">
+                <a14:useLocalDpi xmlns:a14="http://schemas.microsoft.com/office/drawing/2010/main" val="0"/>
+              </a:ext>
+            </a:extLst>
+          </a:blip>
+          <a:stretch>
+            <a:fillRect/>
+          </a:stretch>
+        </p:blipFill>
+        <p:spPr>
+          <a:xfrm>
+            <a:off x="7906702" y="2960024"/>
+            <a:ext cx="2962275" cy="2667000"/>
+          </a:xfrm>
+          <a:prstGeom prst="rect">
+            <a:avLst/>
+          </a:prstGeom>
+        </p:spPr>
+      </p:pic>
     </p:spTree>
     <p:extLst>
       <p:ext uri="{BB962C8B-B14F-4D97-AF65-F5344CB8AC3E}">
-        <p14:creationId xmlns:p14="http://schemas.microsoft.com/office/powerpoint/2010/main" val="2051765620"/>
+        <p14:creationId xmlns:p14="http://schemas.microsoft.com/office/powerpoint/2010/main" val="4243004036"/>
+      </p:ext>
+    </p:extLst>
+  </p:cSld>
+  <p:clrMapOvr>
+    <a:masterClrMapping/>
+  </p:clrMapOvr>
+</p:sld>
+</file>
+
+<file path=ppt/slides/slide2.xml><?xml version="1.0" encoding="utf-8"?>
+<p:sld xmlns:a="http://schemas.openxmlformats.org/drawingml/2006/main" xmlns:r="http://schemas.openxmlformats.org/officeDocument/2006/relationships" xmlns:p="http://schemas.openxmlformats.org/presentationml/2006/main">
+  <p:cSld>
+    <p:spTree>
+      <p:nvGrpSpPr>
+        <p:cNvPr id="1" name=""/>
+        <p:cNvGrpSpPr/>
+        <p:nvPr/>
+      </p:nvGrpSpPr>
+      <p:grpSpPr>
+        <a:xfrm>
+          <a:off x="0" y="0"/>
+          <a:ext cx="0" cy="0"/>
+          <a:chOff x="0" y="0"/>
+          <a:chExt cx="0" cy="0"/>
+        </a:xfrm>
+      </p:grpSpPr>
+      <p:sp>
+        <p:nvSpPr>
+          <p:cNvPr id="7" name="Título 6"/>
+          <p:cNvSpPr>
+            <a:spLocks noGrp="1"/>
+          </p:cNvSpPr>
+          <p:nvPr>
+            <p:ph type="title"/>
+          </p:nvPr>
+        </p:nvSpPr>
+        <p:spPr/>
+        <p:txBody>
+          <a:bodyPr/>
+          <a:lstStyle/>
+          <a:p>
+            <a:r>
+              <a:rPr lang="pt-BR" dirty="0" smtClean="0"/>
+              <a:t>Resiliência </a:t>
+            </a:r>
+            <a:endParaRPr lang="pt-BR" dirty="0"/>
+          </a:p>
+        </p:txBody>
+      </p:sp>
+      <p:sp>
+        <p:nvSpPr>
+          <p:cNvPr id="8" name="Espaço Reservado para Conteúdo 7"/>
+          <p:cNvSpPr>
+            <a:spLocks noGrp="1"/>
+          </p:cNvSpPr>
+          <p:nvPr>
+            <p:ph idx="1"/>
+          </p:nvPr>
+        </p:nvSpPr>
+        <p:spPr/>
+        <p:txBody>
+          <a:bodyPr/>
+          <a:lstStyle/>
+          <a:p>
+            <a:r>
+              <a:rPr lang="pt-BR" dirty="0"/>
+              <a:t>Propriedade dos corpos que voltam à sua forma original, depois de terem sofrido deformação ou choque</a:t>
+            </a:r>
+            <a:r>
+              <a:rPr lang="pt-BR" dirty="0" smtClean="0"/>
+              <a:t>.</a:t>
+            </a:r>
+          </a:p>
+          <a:p>
+            <a:pPr marL="0" indent="0">
+              <a:buNone/>
+            </a:pPr>
+            <a:endParaRPr lang="pt-BR" dirty="0"/>
+          </a:p>
+          <a:p>
+            <a:r>
+              <a:rPr lang="pt-BR" dirty="0" smtClean="0"/>
+              <a:t>Sentido figurado: Tendência </a:t>
+            </a:r>
+            <a:r>
+              <a:rPr lang="pt-BR" dirty="0"/>
+              <a:t>natural para se recuperar ou superar com facilidade os problemas que </a:t>
+            </a:r>
+            <a:r>
+              <a:rPr lang="pt-BR" dirty="0" smtClean="0"/>
+              <a:t>aparecem.</a:t>
+            </a:r>
+          </a:p>
+          <a:p>
+            <a:endParaRPr lang="pt-BR" dirty="0"/>
+          </a:p>
+          <a:p>
+            <a:r>
+              <a:rPr lang="pt-BR" b="1" dirty="0" smtClean="0"/>
+              <a:t>Software: </a:t>
+            </a:r>
+            <a:r>
+              <a:rPr lang="pt-BR" dirty="0" smtClean="0"/>
+              <a:t>Resiliência</a:t>
+            </a:r>
+            <a:r>
+              <a:rPr lang="pt-BR" dirty="0"/>
+              <a:t> é a capacidade do sistema de se recuperar de falhas e continuar a funcionar. O objetivo da resiliência é retornar o aplicativo a um estado totalmente funcional após uma falha </a:t>
+            </a:r>
+            <a:r>
+              <a:rPr lang="pt-BR" dirty="0" smtClean="0"/>
+              <a:t>ocorrer.</a:t>
+            </a:r>
+            <a:endParaRPr lang="pt-BR" dirty="0"/>
+          </a:p>
+        </p:txBody>
+      </p:sp>
+    </p:spTree>
+    <p:extLst>
+      <p:ext uri="{BB962C8B-B14F-4D97-AF65-F5344CB8AC3E}">
+        <p14:creationId xmlns:p14="http://schemas.microsoft.com/office/powerpoint/2010/main" val="3828142153"/>
+      </p:ext>
+    </p:extLst>
+  </p:cSld>
+  <p:clrMapOvr>
+    <a:masterClrMapping/>
+  </p:clrMapOvr>
+</p:sld>
+</file>
+
+<file path=ppt/slides/slide3.xml><?xml version="1.0" encoding="utf-8"?>
+<p:sld xmlns:a="http://schemas.openxmlformats.org/drawingml/2006/main" xmlns:r="http://schemas.openxmlformats.org/officeDocument/2006/relationships" xmlns:p="http://schemas.openxmlformats.org/presentationml/2006/main">
+  <p:cSld>
+    <p:spTree>
+      <p:nvGrpSpPr>
+        <p:cNvPr id="1" name=""/>
+        <p:cNvGrpSpPr/>
+        <p:nvPr/>
+      </p:nvGrpSpPr>
+      <p:grpSpPr>
+        <a:xfrm>
+          <a:off x="0" y="0"/>
+          <a:ext cx="0" cy="0"/>
+          <a:chOff x="0" y="0"/>
+          <a:chExt cx="0" cy="0"/>
+        </a:xfrm>
+      </p:grpSpPr>
+      <p:sp>
+        <p:nvSpPr>
+          <p:cNvPr id="7" name="Título 6"/>
+          <p:cNvSpPr>
+            <a:spLocks noGrp="1"/>
+          </p:cNvSpPr>
+          <p:nvPr>
+            <p:ph type="title"/>
+          </p:nvPr>
+        </p:nvSpPr>
+        <p:spPr/>
+        <p:txBody>
+          <a:bodyPr/>
+          <a:lstStyle/>
+          <a:p>
+            <a:r>
+              <a:rPr lang="pt-BR" dirty="0" err="1" smtClean="0"/>
+              <a:t>Polly</a:t>
+            </a:r>
+            <a:r>
+              <a:rPr lang="pt-BR" dirty="0" smtClean="0"/>
+              <a:t> </a:t>
+            </a:r>
+            <a:endParaRPr lang="pt-BR" dirty="0"/>
+          </a:p>
+        </p:txBody>
+      </p:sp>
+      <p:sp>
+        <p:nvSpPr>
+          <p:cNvPr id="8" name="Espaço Reservado para Conteúdo 7"/>
+          <p:cNvSpPr>
+            <a:spLocks noGrp="1"/>
+          </p:cNvSpPr>
+          <p:nvPr>
+            <p:ph idx="1"/>
+          </p:nvPr>
+        </p:nvSpPr>
+        <p:spPr/>
+        <p:txBody>
+          <a:bodyPr/>
+          <a:lstStyle/>
+          <a:p>
+            <a:pPr marL="0" indent="0">
+              <a:buNone/>
+            </a:pPr>
+            <a:r>
+              <a:rPr lang="pt-BR" dirty="0" smtClean="0"/>
+              <a:t>Biblioteca para aplicações .NET que oferece resiliência e manipulação de falhas com a possibilidade da configuração de </a:t>
+            </a:r>
+            <a:r>
+              <a:rPr lang="pt-BR" b="1" dirty="0" smtClean="0"/>
+              <a:t>Políticas</a:t>
+            </a:r>
+            <a:r>
+              <a:rPr lang="pt-BR" dirty="0" smtClean="0"/>
+              <a:t> como:</a:t>
+            </a:r>
+          </a:p>
+          <a:p>
+            <a:pPr marL="0" indent="0">
+              <a:buNone/>
+            </a:pPr>
+            <a:endParaRPr lang="pt-BR" b="1" dirty="0" smtClean="0"/>
+          </a:p>
+          <a:p>
+            <a:r>
+              <a:rPr lang="pt-BR" dirty="0" err="1" smtClean="0"/>
+              <a:t>Retry</a:t>
+            </a:r>
+            <a:endParaRPr lang="pt-BR" dirty="0" smtClean="0"/>
+          </a:p>
+          <a:p>
+            <a:r>
+              <a:rPr lang="pt-BR" dirty="0" err="1" smtClean="0"/>
+              <a:t>Circuit</a:t>
+            </a:r>
+            <a:r>
+              <a:rPr lang="pt-BR" dirty="0" smtClean="0"/>
+              <a:t> </a:t>
+            </a:r>
+            <a:r>
+              <a:rPr lang="pt-BR" dirty="0" err="1" smtClean="0"/>
+              <a:t>Breaker</a:t>
+            </a:r>
+            <a:endParaRPr lang="pt-BR" dirty="0" smtClean="0"/>
+          </a:p>
+          <a:p>
+            <a:r>
+              <a:rPr lang="pt-BR" dirty="0" smtClean="0"/>
+              <a:t>Timeout</a:t>
+            </a:r>
+            <a:endParaRPr lang="pt-BR" dirty="0"/>
+          </a:p>
+          <a:p>
+            <a:r>
+              <a:rPr lang="pt-BR" dirty="0" err="1" smtClean="0"/>
+              <a:t>Fallback</a:t>
+            </a:r>
+            <a:endParaRPr lang="pt-BR" dirty="0" smtClean="0"/>
+          </a:p>
+        </p:txBody>
+      </p:sp>
+      <p:pic>
+        <p:nvPicPr>
+          <p:cNvPr id="2" name="Imagem 1"/>
+          <p:cNvPicPr>
+            <a:picLocks noChangeAspect="1"/>
+          </p:cNvPicPr>
+          <p:nvPr/>
+        </p:nvPicPr>
+        <p:blipFill>
+          <a:blip r:embed="rId2">
+            <a:extLst>
+              <a:ext uri="{28A0092B-C50C-407E-A947-70E740481C1C}">
+                <a14:useLocalDpi xmlns:a14="http://schemas.microsoft.com/office/drawing/2010/main" val="0"/>
+              </a:ext>
+            </a:extLst>
+          </a:blip>
+          <a:stretch>
+            <a:fillRect/>
+          </a:stretch>
+        </p:blipFill>
+        <p:spPr>
+          <a:xfrm>
+            <a:off x="10274531" y="365125"/>
+            <a:ext cx="1294188" cy="1165185"/>
+          </a:xfrm>
+          <a:prstGeom prst="rect">
+            <a:avLst/>
+          </a:prstGeom>
+        </p:spPr>
+      </p:pic>
+    </p:spTree>
+    <p:extLst>
+      <p:ext uri="{BB962C8B-B14F-4D97-AF65-F5344CB8AC3E}">
+        <p14:creationId xmlns:p14="http://schemas.microsoft.com/office/powerpoint/2010/main" val="131986335"/>
+      </p:ext>
+    </p:extLst>
+  </p:cSld>
+  <p:clrMapOvr>
+    <a:masterClrMapping/>
+  </p:clrMapOvr>
+</p:sld>
+</file>
+
+<file path=ppt/slides/slide4.xml><?xml version="1.0" encoding="utf-8"?>
+<p:sld xmlns:a="http://schemas.openxmlformats.org/drawingml/2006/main" xmlns:r="http://schemas.openxmlformats.org/officeDocument/2006/relationships" xmlns:p="http://schemas.openxmlformats.org/presentationml/2006/main">
+  <p:cSld>
+    <p:spTree>
+      <p:nvGrpSpPr>
+        <p:cNvPr id="1" name=""/>
+        <p:cNvGrpSpPr/>
+        <p:nvPr/>
+      </p:nvGrpSpPr>
+      <p:grpSpPr>
+        <a:xfrm>
+          <a:off x="0" y="0"/>
+          <a:ext cx="0" cy="0"/>
+          <a:chOff x="0" y="0"/>
+          <a:chExt cx="0" cy="0"/>
+        </a:xfrm>
+      </p:grpSpPr>
+      <p:sp>
+        <p:nvSpPr>
+          <p:cNvPr id="7" name="Título 6"/>
+          <p:cNvSpPr>
+            <a:spLocks noGrp="1"/>
+          </p:cNvSpPr>
+          <p:nvPr>
+            <p:ph type="title"/>
+          </p:nvPr>
+        </p:nvSpPr>
+        <p:spPr/>
+        <p:txBody>
+          <a:bodyPr/>
+          <a:lstStyle/>
+          <a:p>
+            <a:r>
+              <a:rPr lang="pt-BR" dirty="0" smtClean="0"/>
+              <a:t>Onde usar?</a:t>
+            </a:r>
+            <a:endParaRPr lang="pt-BR" dirty="0"/>
+          </a:p>
+        </p:txBody>
+      </p:sp>
+      <p:sp>
+        <p:nvSpPr>
+          <p:cNvPr id="8" name="Espaço Reservado para Conteúdo 7"/>
+          <p:cNvSpPr>
+            <a:spLocks noGrp="1"/>
+          </p:cNvSpPr>
+          <p:nvPr>
+            <p:ph idx="1"/>
+          </p:nvPr>
+        </p:nvSpPr>
+        <p:spPr>
+          <a:xfrm>
+            <a:off x="838200" y="1825625"/>
+            <a:ext cx="10515600" cy="3718964"/>
+          </a:xfrm>
+        </p:spPr>
+        <p:txBody>
+          <a:bodyPr/>
+          <a:lstStyle/>
+          <a:p>
+            <a:r>
+              <a:rPr lang="pt-BR" dirty="0" smtClean="0"/>
+              <a:t>Comunicação com </a:t>
+            </a:r>
+            <a:r>
+              <a:rPr lang="pt-BR" dirty="0" err="1" smtClean="0"/>
+              <a:t>APIs</a:t>
+            </a:r>
+            <a:r>
+              <a:rPr lang="pt-BR" dirty="0" smtClean="0"/>
+              <a:t> externas/terceiros.</a:t>
+            </a:r>
+          </a:p>
+          <a:p>
+            <a:pPr marL="0" indent="0">
+              <a:buNone/>
+            </a:pPr>
+            <a:endParaRPr lang="pt-BR" dirty="0" smtClean="0"/>
+          </a:p>
+          <a:p>
+            <a:pPr marL="0" indent="0">
+              <a:buNone/>
+            </a:pPr>
+            <a:endParaRPr lang="pt-BR" dirty="0"/>
+          </a:p>
+          <a:p>
+            <a:r>
+              <a:rPr lang="pt-BR" dirty="0" smtClean="0"/>
+              <a:t>Comunicação entre serviços ou </a:t>
+            </a:r>
+            <a:r>
+              <a:rPr lang="pt-BR" dirty="0" err="1" smtClean="0"/>
+              <a:t>microsserviços</a:t>
+            </a:r>
+            <a:r>
+              <a:rPr lang="pt-BR" dirty="0" smtClean="0"/>
+              <a:t>.</a:t>
+            </a:r>
+          </a:p>
+          <a:p>
+            <a:pPr marL="0" indent="0">
+              <a:buNone/>
+            </a:pPr>
+            <a:endParaRPr lang="pt-BR" dirty="0" smtClean="0"/>
+          </a:p>
+          <a:p>
+            <a:pPr marL="0" indent="0">
+              <a:buNone/>
+            </a:pPr>
+            <a:endParaRPr lang="pt-BR" dirty="0"/>
+          </a:p>
+          <a:p>
+            <a:r>
+              <a:rPr lang="pt-BR" dirty="0" smtClean="0"/>
+              <a:t>Aplicações móveis.</a:t>
+            </a:r>
+            <a:endParaRPr lang="pt-BR" dirty="0"/>
+          </a:p>
+        </p:txBody>
+      </p:sp>
+    </p:spTree>
+    <p:extLst>
+      <p:ext uri="{BB962C8B-B14F-4D97-AF65-F5344CB8AC3E}">
+        <p14:creationId xmlns:p14="http://schemas.microsoft.com/office/powerpoint/2010/main" val="2283658525"/>
+      </p:ext>
+    </p:extLst>
+  </p:cSld>
+  <p:clrMapOvr>
+    <a:masterClrMapping/>
+  </p:clrMapOvr>
+</p:sld>
+</file>
+
+<file path=ppt/slides/slide5.xml><?xml version="1.0" encoding="utf-8"?>
+<p:sld xmlns:a="http://schemas.openxmlformats.org/drawingml/2006/main" xmlns:r="http://schemas.openxmlformats.org/officeDocument/2006/relationships" xmlns:p="http://schemas.openxmlformats.org/presentationml/2006/main">
+  <p:cSld>
+    <p:spTree>
+      <p:nvGrpSpPr>
+        <p:cNvPr id="1" name=""/>
+        <p:cNvGrpSpPr/>
+        <p:nvPr/>
+      </p:nvGrpSpPr>
+      <p:grpSpPr>
+        <a:xfrm>
+          <a:off x="0" y="0"/>
+          <a:ext cx="0" cy="0"/>
+          <a:chOff x="0" y="0"/>
+          <a:chExt cx="0" cy="0"/>
+        </a:xfrm>
+      </p:grpSpPr>
+      <p:sp>
+        <p:nvSpPr>
+          <p:cNvPr id="7" name="Título 6"/>
+          <p:cNvSpPr>
+            <a:spLocks noGrp="1"/>
+          </p:cNvSpPr>
+          <p:nvPr>
+            <p:ph type="title"/>
+          </p:nvPr>
+        </p:nvSpPr>
+        <p:spPr/>
+        <p:txBody>
+          <a:bodyPr/>
+          <a:lstStyle/>
+          <a:p>
+            <a:r>
+              <a:rPr lang="pt-BR" dirty="0" err="1" smtClean="0"/>
+              <a:t>Retry</a:t>
+            </a:r>
+            <a:endParaRPr lang="pt-BR" dirty="0"/>
+          </a:p>
+        </p:txBody>
+      </p:sp>
+      <p:sp>
+        <p:nvSpPr>
+          <p:cNvPr id="8" name="Espaço Reservado para Conteúdo 7"/>
+          <p:cNvSpPr>
+            <a:spLocks noGrp="1"/>
+          </p:cNvSpPr>
+          <p:nvPr>
+            <p:ph idx="1"/>
+          </p:nvPr>
+        </p:nvSpPr>
+        <p:spPr>
+          <a:xfrm>
+            <a:off x="838200" y="1825625"/>
+            <a:ext cx="4606636" cy="3718964"/>
+          </a:xfrm>
+        </p:spPr>
+        <p:txBody>
+          <a:bodyPr>
+            <a:normAutofit/>
+          </a:bodyPr>
+          <a:lstStyle/>
+          <a:p>
+            <a:r>
+              <a:rPr lang="pt-BR" sz="2500" dirty="0" smtClean="0"/>
+              <a:t>Aplicação com conexão instável</a:t>
+            </a:r>
+          </a:p>
+          <a:p>
+            <a:endParaRPr lang="pt-BR" sz="2500" dirty="0" smtClean="0"/>
+          </a:p>
+          <a:p>
+            <a:endParaRPr lang="pt-BR" sz="2500" dirty="0"/>
+          </a:p>
+          <a:p>
+            <a:endParaRPr lang="pt-BR" sz="2500" dirty="0"/>
+          </a:p>
+          <a:p>
+            <a:r>
+              <a:rPr lang="pt-BR" sz="2500" dirty="0" smtClean="0"/>
+              <a:t>Caso a requisição falhe automaticamente será feito uma </a:t>
+            </a:r>
+            <a:r>
+              <a:rPr lang="pt-BR" sz="2500" dirty="0" err="1" smtClean="0"/>
+              <a:t>retentativa</a:t>
+            </a:r>
+            <a:endParaRPr lang="pt-BR" sz="2500" dirty="0" smtClean="0"/>
+          </a:p>
+        </p:txBody>
+      </p:sp>
+      <p:pic>
+        <p:nvPicPr>
+          <p:cNvPr id="3" name="Imagem 2"/>
+          <p:cNvPicPr>
+            <a:picLocks noChangeAspect="1"/>
+          </p:cNvPicPr>
+          <p:nvPr/>
+        </p:nvPicPr>
+        <p:blipFill>
+          <a:blip r:embed="rId2"/>
+          <a:stretch>
+            <a:fillRect/>
+          </a:stretch>
+        </p:blipFill>
+        <p:spPr>
+          <a:xfrm>
+            <a:off x="5793971" y="975719"/>
+            <a:ext cx="5810597" cy="5034096"/>
+          </a:xfrm>
+          <a:prstGeom prst="rect">
+            <a:avLst/>
+          </a:prstGeom>
+        </p:spPr>
+      </p:pic>
+    </p:spTree>
+    <p:extLst>
+      <p:ext uri="{BB962C8B-B14F-4D97-AF65-F5344CB8AC3E}">
+        <p14:creationId xmlns:p14="http://schemas.microsoft.com/office/powerpoint/2010/main" val="4072429526"/>
+      </p:ext>
+    </p:extLst>
+  </p:cSld>
+  <p:clrMapOvr>
+    <a:masterClrMapping/>
+  </p:clrMapOvr>
+</p:sld>
+</file>
+
+<file path=ppt/slides/slide6.xml><?xml version="1.0" encoding="utf-8"?>
+<p:sld xmlns:a="http://schemas.openxmlformats.org/drawingml/2006/main" xmlns:r="http://schemas.openxmlformats.org/officeDocument/2006/relationships" xmlns:p="http://schemas.openxmlformats.org/presentationml/2006/main">
+  <p:cSld>
+    <p:spTree>
+      <p:nvGrpSpPr>
+        <p:cNvPr id="1" name=""/>
+        <p:cNvGrpSpPr/>
+        <p:nvPr/>
+      </p:nvGrpSpPr>
+      <p:grpSpPr>
+        <a:xfrm>
+          <a:off x="0" y="0"/>
+          <a:ext cx="0" cy="0"/>
+          <a:chOff x="0" y="0"/>
+          <a:chExt cx="0" cy="0"/>
+        </a:xfrm>
+      </p:grpSpPr>
+      <p:sp>
+        <p:nvSpPr>
+          <p:cNvPr id="7" name="Título 6"/>
+          <p:cNvSpPr>
+            <a:spLocks noGrp="1"/>
+          </p:cNvSpPr>
+          <p:nvPr>
+            <p:ph type="title"/>
+          </p:nvPr>
+        </p:nvSpPr>
+        <p:spPr/>
+        <p:txBody>
+          <a:bodyPr/>
+          <a:lstStyle/>
+          <a:p>
+            <a:r>
+              <a:rPr lang="pt-BR" dirty="0" err="1" smtClean="0"/>
+              <a:t>Circuit</a:t>
+            </a:r>
+            <a:r>
+              <a:rPr lang="pt-BR" dirty="0" smtClean="0"/>
+              <a:t> </a:t>
+            </a:r>
+            <a:r>
+              <a:rPr lang="pt-BR" dirty="0" err="1" smtClean="0"/>
+              <a:t>Breaker</a:t>
+            </a:r>
+            <a:endParaRPr lang="pt-BR" dirty="0"/>
+          </a:p>
+        </p:txBody>
+      </p:sp>
+      <p:sp>
+        <p:nvSpPr>
+          <p:cNvPr id="8" name="Espaço Reservado para Conteúdo 7"/>
+          <p:cNvSpPr>
+            <a:spLocks noGrp="1"/>
+          </p:cNvSpPr>
+          <p:nvPr>
+            <p:ph idx="1"/>
+          </p:nvPr>
+        </p:nvSpPr>
+        <p:spPr>
+          <a:xfrm>
+            <a:off x="6096001" y="2244437"/>
+            <a:ext cx="5816600" cy="2522296"/>
+          </a:xfrm>
+        </p:spPr>
+        <p:txBody>
+          <a:bodyPr>
+            <a:noAutofit/>
+          </a:bodyPr>
+          <a:lstStyle/>
+          <a:p>
+            <a:r>
+              <a:rPr lang="pt-BR" sz="2400" b="1" dirty="0" smtClean="0"/>
+              <a:t>Circuito fechado:</a:t>
+            </a:r>
+            <a:r>
+              <a:rPr lang="pt-BR" sz="2400" dirty="0" smtClean="0"/>
+              <a:t> comunicação estável</a:t>
+            </a:r>
+          </a:p>
+          <a:p>
+            <a:endParaRPr lang="pt-BR" sz="2400" dirty="0"/>
+          </a:p>
+          <a:p>
+            <a:r>
+              <a:rPr lang="pt-BR" sz="2400" b="1" dirty="0" smtClean="0"/>
+              <a:t>Circuito meio aberto:</a:t>
+            </a:r>
+            <a:r>
+              <a:rPr lang="pt-BR" sz="2400" dirty="0" smtClean="0"/>
+              <a:t> comunicação instável</a:t>
+            </a:r>
+          </a:p>
+          <a:p>
+            <a:endParaRPr lang="pt-BR" sz="2400" dirty="0"/>
+          </a:p>
+          <a:p>
+            <a:r>
+              <a:rPr lang="pt-BR" sz="2400" b="1" dirty="0" smtClean="0"/>
+              <a:t>Circuito aberto</a:t>
+            </a:r>
+            <a:r>
+              <a:rPr lang="pt-BR" sz="2400" dirty="0" smtClean="0"/>
+              <a:t>: Sem comunicação</a:t>
+            </a:r>
+            <a:endParaRPr lang="pt-BR" sz="2400" b="1" dirty="0" smtClean="0"/>
+          </a:p>
+        </p:txBody>
+      </p:sp>
+      <p:pic>
+        <p:nvPicPr>
+          <p:cNvPr id="3" name="Imagem 2"/>
+          <p:cNvPicPr>
+            <a:picLocks noChangeAspect="1"/>
+          </p:cNvPicPr>
+          <p:nvPr/>
+        </p:nvPicPr>
+        <p:blipFill>
+          <a:blip r:embed="rId2">
+            <a:extLst>
+              <a:ext uri="{28A0092B-C50C-407E-A947-70E740481C1C}">
+                <a14:useLocalDpi xmlns:a14="http://schemas.microsoft.com/office/drawing/2010/main" val="0"/>
+              </a:ext>
+            </a:extLst>
+          </a:blip>
+          <a:stretch>
+            <a:fillRect/>
+          </a:stretch>
+        </p:blipFill>
+        <p:spPr>
+          <a:xfrm>
+            <a:off x="760788" y="1605539"/>
+            <a:ext cx="5200650" cy="4724400"/>
+          </a:xfrm>
+          <a:prstGeom prst="rect">
+            <a:avLst/>
+          </a:prstGeom>
+        </p:spPr>
+      </p:pic>
+    </p:spTree>
+    <p:extLst>
+      <p:ext uri="{BB962C8B-B14F-4D97-AF65-F5344CB8AC3E}">
+        <p14:creationId xmlns:p14="http://schemas.microsoft.com/office/powerpoint/2010/main" val="126942863"/>
+      </p:ext>
+    </p:extLst>
+  </p:cSld>
+  <p:clrMapOvr>
+    <a:masterClrMapping/>
+  </p:clrMapOvr>
+</p:sld>
+</file>
+
+<file path=ppt/slides/slide7.xml><?xml version="1.0" encoding="utf-8"?>
+<p:sld xmlns:a="http://schemas.openxmlformats.org/drawingml/2006/main" xmlns:r="http://schemas.openxmlformats.org/officeDocument/2006/relationships" xmlns:p="http://schemas.openxmlformats.org/presentationml/2006/main">
+  <p:cSld>
+    <p:spTree>
+      <p:nvGrpSpPr>
+        <p:cNvPr id="1" name=""/>
+        <p:cNvGrpSpPr/>
+        <p:nvPr/>
+      </p:nvGrpSpPr>
+      <p:grpSpPr>
+        <a:xfrm>
+          <a:off x="0" y="0"/>
+          <a:ext cx="0" cy="0"/>
+          <a:chOff x="0" y="0"/>
+          <a:chExt cx="0" cy="0"/>
+        </a:xfrm>
+      </p:grpSpPr>
+      <p:sp>
+        <p:nvSpPr>
+          <p:cNvPr id="2" name="Título 1"/>
+          <p:cNvSpPr>
+            <a:spLocks noGrp="1"/>
+          </p:cNvSpPr>
+          <p:nvPr>
+            <p:ph type="ctrTitle"/>
+          </p:nvPr>
+        </p:nvSpPr>
+        <p:spPr>
+          <a:xfrm>
+            <a:off x="1216427" y="2543696"/>
+            <a:ext cx="9144000" cy="916391"/>
+          </a:xfrm>
+        </p:spPr>
+        <p:txBody>
+          <a:bodyPr/>
+          <a:lstStyle/>
+          <a:p>
+            <a:r>
+              <a:rPr lang="pt-BR" dirty="0" smtClean="0"/>
+              <a:t>Demo...</a:t>
+            </a:r>
+            <a:endParaRPr lang="pt-BR" dirty="0"/>
+          </a:p>
+        </p:txBody>
+      </p:sp>
+    </p:spTree>
+    <p:extLst>
+      <p:ext uri="{BB962C8B-B14F-4D97-AF65-F5344CB8AC3E}">
+        <p14:creationId xmlns:p14="http://schemas.microsoft.com/office/powerpoint/2010/main" val="3610453912"/>
+      </p:ext>
+    </p:extLst>
+  </p:cSld>
+  <p:clrMapOvr>
+    <a:masterClrMapping/>
+  </p:clrMapOvr>
+</p:sld>
+</file>
+
+<file path=ppt/slides/slide8.xml><?xml version="1.0" encoding="utf-8"?>
+<p:sld xmlns:a="http://schemas.openxmlformats.org/drawingml/2006/main" xmlns:r="http://schemas.openxmlformats.org/officeDocument/2006/relationships" xmlns:p="http://schemas.openxmlformats.org/presentationml/2006/main">
+  <p:cSld>
+    <p:spTree>
+      <p:nvGrpSpPr>
+        <p:cNvPr id="1" name=""/>
+        <p:cNvGrpSpPr/>
+        <p:nvPr/>
+      </p:nvGrpSpPr>
+      <p:grpSpPr>
+        <a:xfrm>
+          <a:off x="0" y="0"/>
+          <a:ext cx="0" cy="0"/>
+          <a:chOff x="0" y="0"/>
+          <a:chExt cx="0" cy="0"/>
+        </a:xfrm>
+      </p:grpSpPr>
+      <p:sp>
+        <p:nvSpPr>
+          <p:cNvPr id="7" name="Título 6"/>
+          <p:cNvSpPr>
+            <a:spLocks noGrp="1"/>
+          </p:cNvSpPr>
+          <p:nvPr>
+            <p:ph type="title"/>
+          </p:nvPr>
+        </p:nvSpPr>
+        <p:spPr>
+          <a:xfrm>
+            <a:off x="4296293" y="2227176"/>
+            <a:ext cx="2461954" cy="1325563"/>
+          </a:xfrm>
+        </p:spPr>
+        <p:txBody>
+          <a:bodyPr/>
+          <a:lstStyle/>
+          <a:p>
+            <a:r>
+              <a:rPr lang="pt-BR" dirty="0" smtClean="0"/>
+              <a:t>Obrigado!</a:t>
+            </a:r>
+            <a:endParaRPr lang="pt-BR" dirty="0"/>
+          </a:p>
+        </p:txBody>
+      </p:sp>
+      <p:sp>
+        <p:nvSpPr>
+          <p:cNvPr id="4" name="Espaço Reservado para Conteúdo 7"/>
+          <p:cNvSpPr txBox="1">
+            <a:spLocks/>
+          </p:cNvSpPr>
+          <p:nvPr/>
+        </p:nvSpPr>
+        <p:spPr>
+          <a:xfrm>
+            <a:off x="5825835" y="5394556"/>
+            <a:ext cx="5953916" cy="518564"/>
+          </a:xfrm>
+          <a:prstGeom prst="rect">
+            <a:avLst/>
+          </a:prstGeom>
+        </p:spPr>
+        <p:txBody>
+          <a:bodyPr vert="horz" lIns="91440" tIns="45720" rIns="91440" bIns="45720" rtlCol="0">
+            <a:normAutofit/>
+          </a:bodyPr>
+          <a:lstStyle>
+            <a:lvl1pPr marL="228600" indent="-228600" algn="l" defTabSz="914400" rtl="0" eaLnBrk="1" latinLnBrk="0" hangingPunct="1">
+              <a:lnSpc>
+                <a:spcPct val="90000"/>
+              </a:lnSpc>
+              <a:spcBef>
+                <a:spcPts val="1000"/>
+              </a:spcBef>
+              <a:buFont typeface="Arial" panose="020B0604020202020204" pitchFamily="34" charset="0"/>
+              <a:buChar char="•"/>
+              <a:defRPr sz="2800" kern="1200">
+                <a:solidFill>
+                  <a:schemeClr val="tx1"/>
+                </a:solidFill>
+                <a:latin typeface="+mn-lt"/>
+                <a:ea typeface="+mn-ea"/>
+                <a:cs typeface="+mn-cs"/>
+              </a:defRPr>
+            </a:lvl1pPr>
+            <a:lvl2pPr marL="685800" indent="-228600" algn="l" defTabSz="914400" rtl="0" eaLnBrk="1" latinLnBrk="0" hangingPunct="1">
+              <a:lnSpc>
+                <a:spcPct val="90000"/>
+              </a:lnSpc>
+              <a:spcBef>
+                <a:spcPts val="500"/>
+              </a:spcBef>
+              <a:buFont typeface="Arial" panose="020B0604020202020204" pitchFamily="34" charset="0"/>
+              <a:buChar char="•"/>
+              <a:defRPr sz="2400" kern="1200">
+                <a:solidFill>
+                  <a:schemeClr val="tx1"/>
+                </a:solidFill>
+                <a:latin typeface="+mn-lt"/>
+                <a:ea typeface="+mn-ea"/>
+                <a:cs typeface="+mn-cs"/>
+              </a:defRPr>
+            </a:lvl2pPr>
+            <a:lvl3pPr marL="1143000" indent="-228600" algn="l" defTabSz="914400" rtl="0" eaLnBrk="1" latinLnBrk="0" hangingPunct="1">
+              <a:lnSpc>
+                <a:spcPct val="90000"/>
+              </a:lnSpc>
+              <a:spcBef>
+                <a:spcPts val="500"/>
+              </a:spcBef>
+              <a:buFont typeface="Arial" panose="020B0604020202020204" pitchFamily="34" charset="0"/>
+              <a:buChar char="•"/>
+              <a:defRPr sz="2000" kern="1200">
+                <a:solidFill>
+                  <a:schemeClr val="tx1"/>
+                </a:solidFill>
+                <a:latin typeface="+mn-lt"/>
+                <a:ea typeface="+mn-ea"/>
+                <a:cs typeface="+mn-cs"/>
+              </a:defRPr>
+            </a:lvl3pPr>
+            <a:lvl4pPr marL="1600200" indent="-228600" algn="l" defTabSz="914400" rtl="0" eaLnBrk="1" latinLnBrk="0" hangingPunct="1">
+              <a:lnSpc>
+                <a:spcPct val="90000"/>
+              </a:lnSpc>
+              <a:spcBef>
+                <a:spcPts val="500"/>
+              </a:spcBef>
+              <a:buFont typeface="Arial" panose="020B0604020202020204" pitchFamily="34" charset="0"/>
+              <a:buChar char="•"/>
+              <a:defRPr sz="1800" kern="1200">
+                <a:solidFill>
+                  <a:schemeClr val="tx1"/>
+                </a:solidFill>
+                <a:latin typeface="+mn-lt"/>
+                <a:ea typeface="+mn-ea"/>
+                <a:cs typeface="+mn-cs"/>
+              </a:defRPr>
+            </a:lvl4pPr>
+            <a:lvl5pPr marL="2057400" indent="-228600" algn="l" defTabSz="914400" rtl="0" eaLnBrk="1" latinLnBrk="0" hangingPunct="1">
+              <a:lnSpc>
+                <a:spcPct val="90000"/>
+              </a:lnSpc>
+              <a:spcBef>
+                <a:spcPts val="500"/>
+              </a:spcBef>
+              <a:buFont typeface="Arial" panose="020B0604020202020204" pitchFamily="34" charset="0"/>
+              <a:buChar char="•"/>
+              <a:defRPr sz="1800" kern="1200">
+                <a:solidFill>
+                  <a:schemeClr val="tx1"/>
+                </a:solidFill>
+                <a:latin typeface="+mn-lt"/>
+                <a:ea typeface="+mn-ea"/>
+                <a:cs typeface="+mn-cs"/>
+              </a:defRPr>
+            </a:lvl5pPr>
+            <a:lvl6pPr marL="2514600" indent="-228600" algn="l" defTabSz="914400" rtl="0" eaLnBrk="1" latinLnBrk="0" hangingPunct="1">
+              <a:lnSpc>
+                <a:spcPct val="90000"/>
+              </a:lnSpc>
+              <a:spcBef>
+                <a:spcPts val="500"/>
+              </a:spcBef>
+              <a:buFont typeface="Arial" panose="020B0604020202020204" pitchFamily="34" charset="0"/>
+              <a:buChar char="•"/>
+              <a:defRPr sz="1800" kern="1200">
+                <a:solidFill>
+                  <a:schemeClr val="tx1"/>
+                </a:solidFill>
+                <a:latin typeface="+mn-lt"/>
+                <a:ea typeface="+mn-ea"/>
+                <a:cs typeface="+mn-cs"/>
+              </a:defRPr>
+            </a:lvl6pPr>
+            <a:lvl7pPr marL="2971800" indent="-228600" algn="l" defTabSz="914400" rtl="0" eaLnBrk="1" latinLnBrk="0" hangingPunct="1">
+              <a:lnSpc>
+                <a:spcPct val="90000"/>
+              </a:lnSpc>
+              <a:spcBef>
+                <a:spcPts val="500"/>
+              </a:spcBef>
+              <a:buFont typeface="Arial" panose="020B0604020202020204" pitchFamily="34" charset="0"/>
+              <a:buChar char="•"/>
+              <a:defRPr sz="1800" kern="1200">
+                <a:solidFill>
+                  <a:schemeClr val="tx1"/>
+                </a:solidFill>
+                <a:latin typeface="+mn-lt"/>
+                <a:ea typeface="+mn-ea"/>
+                <a:cs typeface="+mn-cs"/>
+              </a:defRPr>
+            </a:lvl7pPr>
+            <a:lvl8pPr marL="3429000" indent="-228600" algn="l" defTabSz="914400" rtl="0" eaLnBrk="1" latinLnBrk="0" hangingPunct="1">
+              <a:lnSpc>
+                <a:spcPct val="90000"/>
+              </a:lnSpc>
+              <a:spcBef>
+                <a:spcPts val="500"/>
+              </a:spcBef>
+              <a:buFont typeface="Arial" panose="020B0604020202020204" pitchFamily="34" charset="0"/>
+              <a:buChar char="•"/>
+              <a:defRPr sz="1800" kern="1200">
+                <a:solidFill>
+                  <a:schemeClr val="tx1"/>
+                </a:solidFill>
+                <a:latin typeface="+mn-lt"/>
+                <a:ea typeface="+mn-ea"/>
+                <a:cs typeface="+mn-cs"/>
+              </a:defRPr>
+            </a:lvl8pPr>
+            <a:lvl9pPr marL="3886200" indent="-228600" algn="l" defTabSz="914400" rtl="0" eaLnBrk="1" latinLnBrk="0" hangingPunct="1">
+              <a:lnSpc>
+                <a:spcPct val="90000"/>
+              </a:lnSpc>
+              <a:spcBef>
+                <a:spcPts val="500"/>
+              </a:spcBef>
+              <a:buFont typeface="Arial" panose="020B0604020202020204" pitchFamily="34" charset="0"/>
+              <a:buChar char="•"/>
+              <a:defRPr sz="1800" kern="1200">
+                <a:solidFill>
+                  <a:schemeClr val="tx1"/>
+                </a:solidFill>
+                <a:latin typeface="+mn-lt"/>
+                <a:ea typeface="+mn-ea"/>
+                <a:cs typeface="+mn-cs"/>
+              </a:defRPr>
+            </a:lvl9pPr>
+          </a:lstStyle>
+          <a:p>
+            <a:pPr marL="0" indent="0">
+              <a:buNone/>
+            </a:pPr>
+            <a:r>
+              <a:rPr lang="pt-BR" dirty="0" smtClean="0"/>
+              <a:t>github.com/</a:t>
+            </a:r>
+            <a:r>
+              <a:rPr lang="pt-BR" dirty="0" err="1" smtClean="0"/>
+              <a:t>isaacnborges</a:t>
+            </a:r>
+            <a:r>
+              <a:rPr lang="pt-BR" dirty="0" smtClean="0"/>
+              <a:t>/</a:t>
+            </a:r>
+            <a:r>
+              <a:rPr lang="pt-BR" dirty="0" err="1" smtClean="0"/>
+              <a:t>PollyExample</a:t>
+            </a:r>
+            <a:endParaRPr lang="pt-BR" dirty="0"/>
+          </a:p>
+        </p:txBody>
+      </p:sp>
+    </p:spTree>
+    <p:extLst>
+      <p:ext uri="{BB962C8B-B14F-4D97-AF65-F5344CB8AC3E}">
+        <p14:creationId xmlns:p14="http://schemas.microsoft.com/office/powerpoint/2010/main" val="4100381823"/>
       </p:ext>
     </p:extLst>
   </p:cSld>
